--- a/教学课件/9.第九课  集合.pptx
+++ b/教学课件/9.第九课  集合.pptx
@@ -4718,7 +4718,7 @@
         </p:spPr>
         <p:txBody>
           <a:bodyPr>
-            <a:normAutofit lnSpcReduction="10000"/>
+            <a:normAutofit/>
           </a:bodyPr>
           <a:p>
             <a:pPr fontAlgn="auto">
@@ -4727,131 +4727,19 @@
               </a:lnSpc>
             </a:pPr>
             <a:r>
-              <a:rPr lang="en-US" altLang="zh-CN" sz="2000"/>
-              <a:t>1.</a:t>
-            </a:r>
-            <a:r>
-              <a:rPr lang="zh-CN" altLang="en-US" sz="2000"/>
+              <a:rPr lang="zh-CN" altLang="en-US" sz="3200"/>
               <a:t>用集合改造之前学习的班级类</a:t>
             </a:r>
-            <a:endParaRPr lang="zh-CN" altLang="en-US" sz="2000"/>
+            <a:endParaRPr lang="zh-CN" altLang="en-US" sz="3200"/>
           </a:p>
           <a:p>
             <a:pPr fontAlgn="auto">
               <a:lnSpc>
                 <a:spcPct val="150000"/>
               </a:lnSpc>
-            </a:pPr>
-            <a:r>
-              <a:rPr lang="en-US" altLang="zh-CN" sz="2000"/>
-              <a:t>2.</a:t>
-            </a:r>
-            <a:r>
-              <a:rPr lang="zh-CN" altLang="en-US" sz="2000"/>
-              <a:t>写一个控制台程序</a:t>
-            </a:r>
-            <a:r>
-              <a:rPr lang="en-US" altLang="zh-CN" sz="2000"/>
-              <a:t>,</a:t>
-            </a:r>
-            <a:r>
-              <a:rPr lang="zh-CN" altLang="en-US" sz="2000"/>
-              <a:t>要求对两个</a:t>
-            </a:r>
-            <a:r>
-              <a:rPr lang="en-US" altLang="zh-CN" sz="2000"/>
-              <a:t>List</a:t>
-            </a:r>
-            <a:r>
-              <a:rPr lang="zh-CN" altLang="en-US" sz="2000"/>
-              <a:t>添加整型元素</a:t>
-            </a:r>
-            <a:r>
-              <a:rPr lang="en-US" altLang="zh-CN" sz="2000"/>
-              <a:t>, </a:t>
-            </a:r>
-            <a:r>
-              <a:rPr lang="zh-CN" altLang="en-US" sz="2000"/>
-              <a:t>完成后</a:t>
-            </a:r>
-            <a:r>
-              <a:rPr lang="en-US" altLang="zh-CN" sz="2000"/>
-              <a:t>, </a:t>
-            </a:r>
-            <a:r>
-              <a:rPr lang="zh-CN" altLang="en-US" sz="2000"/>
-              <a:t>要求</a:t>
-            </a:r>
-            <a:r>
-              <a:rPr lang="zh-CN" altLang="en-US" sz="2000">
-                <a:sym typeface="+mn-ea"/>
-              </a:rPr>
-              <a:t>合并两个</a:t>
-            </a:r>
-            <a:r>
-              <a:rPr lang="en-US" altLang="zh-CN" sz="2000">
-                <a:sym typeface="+mn-ea"/>
-              </a:rPr>
-              <a:t>List</a:t>
-            </a:r>
-            <a:r>
-              <a:rPr lang="zh-CN" altLang="en-US" sz="2000">
-                <a:sym typeface="+mn-ea"/>
-              </a:rPr>
-              <a:t>中的元素</a:t>
-            </a:r>
-            <a:r>
-              <a:rPr lang="en-US" altLang="zh-CN" sz="2000">
-                <a:sym typeface="+mn-ea"/>
-              </a:rPr>
-              <a:t>, </a:t>
-            </a:r>
-            <a:r>
-              <a:rPr lang="zh-CN" altLang="en-US" sz="2000">
-                <a:sym typeface="+mn-ea"/>
-              </a:rPr>
-              <a:t>删除重复项并排序</a:t>
-            </a:r>
-            <a:r>
-              <a:rPr lang="en-US" altLang="zh-CN" sz="2000">
-                <a:sym typeface="+mn-ea"/>
-              </a:rPr>
-              <a:t>,</a:t>
-            </a:r>
-            <a:r>
-              <a:rPr lang="zh-CN" altLang="en-US" sz="2000">
-                <a:sym typeface="+mn-ea"/>
-              </a:rPr>
-              <a:t>返回新的</a:t>
-            </a:r>
-            <a:r>
-              <a:rPr lang="en-US" altLang="zh-CN" sz="2000">
-                <a:sym typeface="+mn-ea"/>
-              </a:rPr>
-              <a:t>List</a:t>
-            </a:r>
-            <a:r>
-              <a:rPr lang="zh-CN" altLang="en-US" sz="2000">
-                <a:sym typeface="+mn-ea"/>
-              </a:rPr>
-              <a:t>并打印出来</a:t>
-            </a:r>
-            <a:r>
-              <a:rPr lang="en-US" altLang="zh-CN" sz="2000">
-                <a:sym typeface="+mn-ea"/>
-              </a:rPr>
-              <a:t>.</a:t>
-            </a:r>
-            <a:endParaRPr lang="en-US" altLang="zh-CN" sz="2000"/>
-          </a:p>
-          <a:p>
-            <a:pPr fontAlgn="auto">
-              <a:lnSpc>
-                <a:spcPct val="150000"/>
-              </a:lnSpc>
-              <a:buNone/>
-            </a:pPr>
-            <a:endParaRPr lang="zh-CN" altLang="en-US" sz="2000"/>
+              <a:buNone/>
+            </a:pPr>
+            <a:endParaRPr lang="zh-CN" altLang="en-US" sz="3200"/>
           </a:p>
         </p:txBody>
       </p:sp>

--- a/教学课件/9.第九课  集合.pptx
+++ b/教学课件/9.第九课  集合.pptx
@@ -3414,6 +3414,30 @@
           </a:p>
         </p:txBody>
       </p:sp>
+      <p:pic>
+        <p:nvPicPr>
+          <p:cNvPr id="4" name="图片 3"/>
+          <p:cNvPicPr>
+            <a:picLocks noChangeAspect="1"/>
+          </p:cNvPicPr>
+          <p:nvPr/>
+        </p:nvPicPr>
+        <p:blipFill>
+          <a:blip r:embed="rId1"/>
+          <a:stretch>
+            <a:fillRect/>
+          </a:stretch>
+        </p:blipFill>
+        <p:spPr>
+          <a:xfrm>
+            <a:off x="8401050" y="0"/>
+            <a:ext cx="2491740" cy="4716780"/>
+          </a:xfrm>
+          <a:prstGeom prst="rect">
+            <a:avLst/>
+          </a:prstGeom>
+        </p:spPr>
+      </p:pic>
     </p:spTree>
   </p:cSld>
   <p:clrMapOvr>
@@ -4728,8 +4752,44 @@
             </a:pPr>
             <a:r>
               <a:rPr lang="zh-CN" altLang="en-US" sz="3200"/>
-              <a:t>用集合改造之前学习的班级类</a:t>
-            </a:r>
+              <a:t>用</a:t>
+            </a:r>
+            <a:r>
+              <a:rPr lang="en-US" altLang="zh-CN" sz="3200"/>
+              <a:t>List</a:t>
+            </a:r>
+            <a:r>
+              <a:rPr lang="zh-CN" altLang="en-US" sz="3200"/>
+              <a:t>改造之前学习的班级类</a:t>
+            </a:r>
+            <a:endParaRPr lang="zh-CN" altLang="en-US" sz="3200"/>
+          </a:p>
+          <a:p>
+            <a:pPr fontAlgn="auto">
+              <a:lnSpc>
+                <a:spcPct val="150000"/>
+              </a:lnSpc>
+            </a:pPr>
+            <a:r>
+              <a:rPr lang="zh-CN" altLang="en-US" sz="3200"/>
+              <a:t>用字典改造之前学习的银行类</a:t>
+            </a:r>
+            <a:endParaRPr lang="zh-CN" altLang="en-US" sz="3200"/>
+          </a:p>
+          <a:p>
+            <a:pPr fontAlgn="auto">
+              <a:lnSpc>
+                <a:spcPct val="150000"/>
+              </a:lnSpc>
+            </a:pPr>
+            <a:endParaRPr lang="zh-CN" altLang="en-US" sz="3200"/>
+          </a:p>
+          <a:p>
+            <a:pPr fontAlgn="auto">
+              <a:lnSpc>
+                <a:spcPct val="150000"/>
+              </a:lnSpc>
+            </a:pPr>
             <a:endParaRPr lang="zh-CN" altLang="en-US" sz="3200"/>
           </a:p>
           <a:p>
@@ -6760,12 +6820,46 @@
           </a:p>
         </p:txBody>
       </p:sp>
+      <p:pic>
+        <p:nvPicPr>
+          <p:cNvPr id="4" name="图片 3"/>
+          <p:cNvPicPr>
+            <a:picLocks noChangeAspect="1"/>
+          </p:cNvPicPr>
+          <p:nvPr>
+            <p:custDataLst>
+              <p:tags r:id="rId1"/>
+            </p:custDataLst>
+          </p:nvPr>
+        </p:nvPicPr>
+        <p:blipFill>
+          <a:blip r:embed="rId2"/>
+          <a:stretch>
+            <a:fillRect/>
+          </a:stretch>
+        </p:blipFill>
+        <p:spPr>
+          <a:xfrm>
+            <a:off x="7795260" y="365125"/>
+            <a:ext cx="2743200" cy="3962400"/>
+          </a:xfrm>
+          <a:prstGeom prst="rect">
+            <a:avLst/>
+          </a:prstGeom>
+        </p:spPr>
+      </p:pic>
     </p:spTree>
   </p:cSld>
   <p:clrMapOvr>
     <a:masterClrMapping/>
   </p:clrMapOvr>
 </p:sld>
+</file>
+
+<file path=ppt/tags/tag1.xml><?xml version="1.0" encoding="utf-8"?>
+<p:tagLst xmlns:p="http://schemas.openxmlformats.org/presentationml/2006/main">
+  <p:tag name="KSO_WM_UNIT_PLACING_PICTURE_USER_VIEWPORT" val="{&quot;height&quot;:6240,&quot;width&quot;:4320}"/>
+</p:tagLst>
 </file>
 
 <file path=ppt/theme/theme1.xml><?xml version="1.0" encoding="utf-8"?>

--- a/教学课件/9.第九课  集合.pptx
+++ b/教学课件/9.第九课  集合.pptx
@@ -3758,6 +3758,10 @@
               <a:t>命名空间:</a:t>
             </a:r>
             <a:r>
+              <a:rPr lang="en-US" altLang="zh-CN"/>
+              <a:t>	</a:t>
+            </a:r>
+            <a:r>
               <a:rPr lang="zh-CN" altLang="en-US">
                 <a:solidFill>
                   <a:srgbClr val="FF0000"/>
@@ -3947,6 +3951,24 @@
                 <a:uFillTx/>
               </a:rPr>
               <a:t>几乎一模一样</a:t>
+            </a:r>
+            <a:r>
+              <a:rPr lang="en-US" altLang="zh-CN" kern="1600">
+                <a:solidFill>
+                  <a:schemeClr val="tx1"/>
+                </a:solidFill>
+                <a:uFillTx/>
+              </a:rPr>
+              <a:t>,</a:t>
+            </a:r>
+            <a:r>
+              <a:rPr lang="zh-CN" altLang="en-US" b="1" kern="1600">
+                <a:solidFill>
+                  <a:schemeClr val="tx1"/>
+                </a:solidFill>
+                <a:uFillTx/>
+              </a:rPr>
+              <a:t>支持随机访问</a:t>
             </a:r>
             <a:r>
               <a:rPr lang="en-US" altLang="zh-CN" kern="1600">
@@ -4218,6 +4240,14 @@
               <a:rPr lang="en-US" altLang="zh-CN"/>
               <a:t>, 和Dictonary&lt;T&gt;相似.</a:t>
             </a:r>
+            <a:r>
+              <a:rPr lang="zh-CN" altLang="en-US"/>
+              <a:t>但是遍历需要分开键和值</a:t>
+            </a:r>
+            <a:r>
+              <a:rPr lang="en-US" altLang="zh-CN"/>
+              <a:t>.</a:t>
+            </a:r>
             <a:endParaRPr lang="en-US" altLang="zh-CN"/>
           </a:p>
           <a:p>
@@ -6778,7 +6808,15 @@
             </a:r>
             <a:r>
               <a:rPr lang="en-US" altLang="zh-CN"/>
-              <a:t>:先进后出, </a:t>
+              <a:t>: </a:t>
+            </a:r>
+            <a:r>
+              <a:rPr lang="en-US" altLang="zh-CN" b="1"/>
+              <a:t>先进后出</a:t>
+            </a:r>
+            <a:r>
+              <a:rPr lang="en-US" altLang="zh-CN"/>
+              <a:t>, </a:t>
             </a:r>
             <a:r>
               <a:rPr lang="zh-CN" altLang="en-US"/>
@@ -6840,7 +6878,7 @@
         </p:blipFill>
         <p:spPr>
           <a:xfrm>
-            <a:off x="7795260" y="365125"/>
+            <a:off x="7795260" y="273050"/>
             <a:ext cx="2743200" cy="3962400"/>
           </a:xfrm>
           <a:prstGeom prst="rect">
